--- a/MetEngSim_Introduction.pptx
+++ b/MetEngSim_Introduction.pptx
@@ -5,20 +5,21 @@
     <p:sldMasterId id="2147483657" r:id="rId1"/>
   </p:sldMasterIdLst>
   <p:notesMasterIdLst>
-    <p:notesMasterId r:id="rId10"/>
+    <p:notesMasterId r:id="rId11"/>
   </p:notesMasterIdLst>
   <p:handoutMasterIdLst>
-    <p:handoutMasterId r:id="rId11"/>
+    <p:handoutMasterId r:id="rId12"/>
   </p:handoutMasterIdLst>
   <p:sldIdLst>
     <p:sldId id="266" r:id="rId2"/>
     <p:sldId id="270" r:id="rId3"/>
     <p:sldId id="267" r:id="rId4"/>
     <p:sldId id="268" r:id="rId5"/>
-    <p:sldId id="265" r:id="rId6"/>
-    <p:sldId id="269" r:id="rId7"/>
-    <p:sldId id="271" r:id="rId8"/>
-    <p:sldId id="264" r:id="rId9"/>
+    <p:sldId id="269" r:id="rId6"/>
+    <p:sldId id="272" r:id="rId7"/>
+    <p:sldId id="265" r:id="rId8"/>
+    <p:sldId id="271" r:id="rId9"/>
+    <p:sldId id="264" r:id="rId10"/>
   </p:sldIdLst>
   <p:sldSz cx="12192000" cy="6858000"/>
   <p:notesSz cx="6858000" cy="9144000"/>
@@ -150,7 +151,7 @@
   <p:extLst>
     <p:ext uri="{EFAFB233-063F-42B5-8137-9DF3F51BA10A}">
       <p15:sldGuideLst xmlns:p15="http://schemas.microsoft.com/office/powerpoint/2012/main">
-        <p15:guide id="1" orient="horz" pos="2167" userDrawn="1">
+        <p15:guide id="1" orient="horz" pos="2160" userDrawn="1">
           <p15:clr>
             <a:srgbClr val="A4A3A4"/>
           </p15:clr>
@@ -2518,7 +2519,12 @@
             <p:ph idx="1"/>
           </p:nvPr>
         </p:nvSpPr>
-        <p:spPr/>
+        <p:spPr>
+          <a:xfrm>
+            <a:off x="609600" y="981075"/>
+            <a:ext cx="10972800" cy="2459038"/>
+          </a:xfrm>
+        </p:spPr>
         <p:txBody>
           <a:bodyPr/>
           <a:lstStyle/>
@@ -2528,52 +2534,169 @@
               <a:buChar char="•"/>
             </a:pPr>
             <a:r>
-              <a:rPr lang="de-DE" dirty="0" err="1"/>
+              <a:rPr lang="de-DE" sz="2000" dirty="0" err="1"/>
               <a:t>Contain</a:t>
             </a:r>
             <a:r>
-              <a:rPr lang="de-DE" dirty="0"/>
-              <a:t> </a:t>
-            </a:r>
-            <a:r>
-              <a:rPr lang="de-DE" dirty="0" err="1"/>
+              <a:rPr lang="de-DE" sz="2000" dirty="0"/>
+              <a:t> </a:t>
+            </a:r>
+            <a:r>
+              <a:rPr lang="de-DE" sz="2000" dirty="0" err="1"/>
+              <a:t>metabolic</a:t>
+            </a:r>
+            <a:r>
+              <a:rPr lang="de-DE" sz="2000" dirty="0"/>
+              <a:t> </a:t>
+            </a:r>
+            <a:r>
+              <a:rPr lang="de-DE" sz="2000" dirty="0" err="1"/>
               <a:t>information</a:t>
             </a:r>
             <a:r>
-              <a:rPr lang="de-DE" dirty="0"/>
-              <a:t> </a:t>
-            </a:r>
-            <a:r>
-              <a:rPr lang="de-DE" dirty="0" err="1"/>
-              <a:t>about</a:t>
-            </a:r>
-            <a:r>
-              <a:rPr lang="de-DE" dirty="0"/>
+              <a:rPr lang="de-DE" sz="2000" dirty="0"/>
+              <a:t> </a:t>
+            </a:r>
+            <a:r>
+              <a:rPr lang="de-DE" sz="2000" dirty="0" err="1"/>
+              <a:t>of</a:t>
+            </a:r>
+            <a:r>
+              <a:rPr lang="de-DE" sz="2000" dirty="0"/>
               <a:t> a </a:t>
             </a:r>
             <a:r>
-              <a:rPr lang="de-DE" dirty="0" err="1"/>
+              <a:rPr lang="de-DE" sz="2000" dirty="0" err="1"/>
               <a:t>biological</a:t>
             </a:r>
             <a:r>
-              <a:rPr lang="de-DE" dirty="0"/>
-              <a:t> </a:t>
-            </a:r>
-            <a:r>
-              <a:rPr lang="de-DE" dirty="0" err="1"/>
+              <a:rPr lang="de-DE" sz="2000" dirty="0"/>
+              <a:t> </a:t>
+            </a:r>
+            <a:r>
+              <a:rPr lang="de-DE" sz="2000" dirty="0" err="1"/>
               <a:t>system</a:t>
             </a:r>
-            <a:endParaRPr lang="de-DE" dirty="0"/>
-          </a:p>
-          <a:p>
-            <a:pPr marL="342900" indent="-342900">
+            <a:endParaRPr lang="de-DE" sz="2000" dirty="0"/>
+          </a:p>
+          <a:p>
+            <a:pPr marL="1085850" lvl="1" indent="-342900">
               <a:buFont typeface="Arial" panose="020B0604020202020204" pitchFamily="34" charset="0"/>
               <a:buChar char="•"/>
             </a:pPr>
             <a:r>
-              <a:rPr lang="de-DE" dirty="0"/>
-              <a:t> </a:t>
-            </a:r>
+              <a:rPr lang="de-DE" sz="2000" dirty="0"/>
+              <a:t>Breaks </a:t>
+            </a:r>
+            <a:r>
+              <a:rPr lang="de-DE" sz="2000" dirty="0" err="1"/>
+              <a:t>them</a:t>
+            </a:r>
+            <a:r>
+              <a:rPr lang="de-DE" sz="2000" dirty="0"/>
+              <a:t> down </a:t>
+            </a:r>
+            <a:r>
+              <a:rPr lang="de-DE" sz="2000" dirty="0" err="1"/>
+              <a:t>into</a:t>
+            </a:r>
+            <a:r>
+              <a:rPr lang="de-DE" sz="2000" dirty="0"/>
+              <a:t> </a:t>
+            </a:r>
+            <a:r>
+              <a:rPr lang="de-DE" sz="2000" dirty="0" err="1"/>
+              <a:t>mathematical</a:t>
+            </a:r>
+            <a:r>
+              <a:rPr lang="de-DE" sz="2000" dirty="0"/>
+              <a:t> </a:t>
+            </a:r>
+            <a:r>
+              <a:rPr lang="de-DE" sz="2000" dirty="0" err="1"/>
+              <a:t>model</a:t>
+            </a:r>
+            <a:r>
+              <a:rPr lang="de-DE" sz="2000" dirty="0"/>
+              <a:t> </a:t>
+            </a:r>
+          </a:p>
+          <a:p>
+            <a:pPr marL="1085850" lvl="1" indent="-342900">
+              <a:buFont typeface="Arial" panose="020B0604020202020204" pitchFamily="34" charset="0"/>
+              <a:buChar char="•"/>
+            </a:pPr>
+            <a:r>
+              <a:rPr lang="de-DE" sz="2000" dirty="0"/>
+              <a:t>Insight </a:t>
+            </a:r>
+            <a:r>
+              <a:rPr lang="de-DE" sz="2000" dirty="0" err="1"/>
+              <a:t>into</a:t>
+            </a:r>
+            <a:r>
+              <a:rPr lang="de-DE" sz="2000" dirty="0"/>
+              <a:t> </a:t>
+            </a:r>
+            <a:r>
+              <a:rPr lang="de-DE" sz="2000" dirty="0" err="1"/>
+              <a:t>molecular</a:t>
+            </a:r>
+            <a:r>
+              <a:rPr lang="de-DE" sz="2000" dirty="0"/>
+              <a:t> </a:t>
+            </a:r>
+            <a:r>
+              <a:rPr lang="de-DE" sz="2000" dirty="0" err="1"/>
+              <a:t>mechanisms</a:t>
+            </a:r>
+            <a:r>
+              <a:rPr lang="de-DE" sz="2000" dirty="0"/>
+              <a:t> </a:t>
+            </a:r>
+          </a:p>
+          <a:p>
+            <a:pPr marL="1085850" lvl="1" indent="-342900">
+              <a:buFont typeface="Arial" panose="020B0604020202020204" pitchFamily="34" charset="0"/>
+              <a:buChar char="•"/>
+            </a:pPr>
+            <a:r>
+              <a:rPr lang="de-DE" sz="2000" dirty="0" err="1"/>
+              <a:t>Enables</a:t>
+            </a:r>
+            <a:r>
+              <a:rPr lang="de-DE" sz="2000" dirty="0"/>
+              <a:t> </a:t>
+            </a:r>
+            <a:r>
+              <a:rPr lang="de-DE" sz="2000" dirty="0" err="1"/>
+              <a:t>analysis</a:t>
+            </a:r>
+            <a:r>
+              <a:rPr lang="de-DE" sz="2000" dirty="0"/>
+              <a:t> </a:t>
+            </a:r>
+            <a:r>
+              <a:rPr lang="de-DE" sz="2000" dirty="0" err="1"/>
+              <a:t>of</a:t>
+            </a:r>
+            <a:r>
+              <a:rPr lang="de-DE" sz="2000" dirty="0"/>
+              <a:t> </a:t>
+            </a:r>
+            <a:r>
+              <a:rPr lang="de-DE" sz="2000" dirty="0" err="1"/>
+              <a:t>metabolic</a:t>
+            </a:r>
+            <a:r>
+              <a:rPr lang="de-DE" sz="2000" dirty="0"/>
+              <a:t> </a:t>
+            </a:r>
+            <a:r>
+              <a:rPr lang="de-DE" sz="2000" dirty="0" err="1"/>
+              <a:t>pathways</a:t>
+            </a:r>
+            <a:endParaRPr lang="de-DE" sz="2000" dirty="0"/>
           </a:p>
           <a:p>
             <a:pPr marL="342900" indent="-342900">
@@ -2620,6 +2743,131 @@
                 <a:srgbClr val="D3D9DD"/>
               </a:solidFill>
             </a:endParaRPr>
+          </a:p>
+        </p:txBody>
+      </p:sp>
+      <p:pic>
+        <p:nvPicPr>
+          <p:cNvPr id="6" name="Grafik 5" descr="Ein Bild, das Text, Diagramm, Reihe, Screenshot enthält.&#10;&#10;Automatisch generierte Beschreibung">
+            <a:extLst>
+              <a:ext uri="{FF2B5EF4-FFF2-40B4-BE49-F238E27FC236}">
+                <a16:creationId xmlns:a16="http://schemas.microsoft.com/office/drawing/2014/main" id="{14C05A7D-CA42-B2C7-18AB-2943EC428EDB}"/>
+              </a:ext>
+            </a:extLst>
+          </p:cNvPr>
+          <p:cNvPicPr>
+            <a:picLocks noChangeAspect="1"/>
+          </p:cNvPicPr>
+          <p:nvPr/>
+        </p:nvPicPr>
+        <p:blipFill>
+          <a:blip r:embed="rId2">
+            <a:extLst>
+              <a:ext uri="{28A0092B-C50C-407E-A947-70E740481C1C}">
+                <a14:useLocalDpi xmlns:a14="http://schemas.microsoft.com/office/drawing/2010/main" val="0"/>
+              </a:ext>
+            </a:extLst>
+          </a:blip>
+          <a:stretch>
+            <a:fillRect/>
+          </a:stretch>
+        </p:blipFill>
+        <p:spPr>
+          <a:xfrm>
+            <a:off x="2978214" y="2726575"/>
+            <a:ext cx="6227859" cy="3150350"/>
+          </a:xfrm>
+          <a:prstGeom prst="rect">
+            <a:avLst/>
+          </a:prstGeom>
+        </p:spPr>
+      </p:pic>
+      <p:sp>
+        <p:nvSpPr>
+          <p:cNvPr id="7" name="Textfeld 6">
+            <a:extLst>
+              <a:ext uri="{FF2B5EF4-FFF2-40B4-BE49-F238E27FC236}">
+                <a16:creationId xmlns:a16="http://schemas.microsoft.com/office/drawing/2014/main" id="{49413EE2-7E57-350C-F543-6CEA4A4F6F7D}"/>
+              </a:ext>
+            </a:extLst>
+          </p:cNvPr>
+          <p:cNvSpPr txBox="1"/>
+          <p:nvPr/>
+        </p:nvSpPr>
+        <p:spPr>
+          <a:xfrm>
+            <a:off x="2802486" y="6079273"/>
+            <a:ext cx="6579314" cy="646331"/>
+          </a:xfrm>
+          <a:prstGeom prst="rect">
+            <a:avLst/>
+          </a:prstGeom>
+          <a:noFill/>
+        </p:spPr>
+        <p:txBody>
+          <a:bodyPr wrap="square" rtlCol="0">
+            <a:spAutoFit/>
+          </a:bodyPr>
+          <a:lstStyle/>
+          <a:p>
+            <a:r>
+              <a:rPr lang="de-DE" sz="1200" b="1" dirty="0"/>
+              <a:t>Figure 1: </a:t>
+            </a:r>
+            <a:r>
+              <a:rPr lang="de-DE" sz="1200" b="1" dirty="0" err="1"/>
+              <a:t>Reconstructing</a:t>
+            </a:r>
+            <a:r>
+              <a:rPr lang="de-DE" sz="1200" b="1" dirty="0"/>
+              <a:t> </a:t>
+            </a:r>
+            <a:r>
+              <a:rPr lang="de-DE" sz="1200" b="1" dirty="0" err="1"/>
+              <a:t>organisms</a:t>
+            </a:r>
+            <a:r>
+              <a:rPr lang="de-DE" sz="1200" b="1" dirty="0"/>
+              <a:t>.</a:t>
+            </a:r>
+          </a:p>
+          <a:p>
+            <a:r>
+              <a:rPr lang="de-DE" sz="1200" dirty="0"/>
+              <a:t>https://</a:t>
+            </a:r>
+            <a:r>
+              <a:rPr lang="de-DE" sz="1200" dirty="0" err="1"/>
+              <a:t>media.springernature.com</a:t>
+            </a:r>
+            <a:r>
+              <a:rPr lang="de-DE" sz="1200" dirty="0"/>
+              <a:t>/m685/springer-</a:t>
+            </a:r>
+            <a:r>
+              <a:rPr lang="de-DE" sz="1200" dirty="0" err="1"/>
+              <a:t>static</a:t>
+            </a:r>
+            <a:r>
+              <a:rPr lang="de-DE" sz="1200" dirty="0"/>
+              <a:t>/</a:t>
+            </a:r>
+            <a:r>
+              <a:rPr lang="de-DE" sz="1200" dirty="0" err="1"/>
+              <a:t>image</a:t>
+            </a:r>
+            <a:r>
+              <a:rPr lang="de-DE" sz="1200" dirty="0"/>
+              <a:t>/art%3A10.1038%2Fs41579-020-00440-4/</a:t>
+            </a:r>
+            <a:r>
+              <a:rPr lang="de-DE" sz="1200" dirty="0" err="1"/>
+              <a:t>MediaObjects</a:t>
+            </a:r>
+            <a:r>
+              <a:rPr lang="de-DE" sz="1200" dirty="0"/>
+              <a:t>/41579_2020_440_Fig1_HTML.png</a:t>
+            </a:r>
           </a:p>
         </p:txBody>
       </p:sp>
@@ -2974,16 +3222,6 @@
               <a:buChar char="•"/>
             </a:pPr>
             <a:r>
-              <a:rPr lang="de-DE" sz="2000" b="0" i="0" u="none" strike="noStrike" dirty="0">
-                <a:solidFill>
-                  <a:srgbClr val="212121"/>
-                </a:solidFill>
-                <a:effectLst/>
-                <a:latin typeface="Helvetica" pitchFamily="2" charset="0"/>
-              </a:rPr>
-              <a:t>The </a:t>
-            </a:r>
-            <a:r>
               <a:rPr lang="de-DE" sz="2000" b="0" i="0" u="none" strike="noStrike" dirty="0" err="1">
                 <a:solidFill>
                   <a:srgbClr val="212121"/>
@@ -3902,7 +4140,7 @@
         </p:blipFill>
         <p:spPr>
           <a:xfrm>
-            <a:off x="6501045" y="536338"/>
+            <a:off x="6281302" y="940281"/>
             <a:ext cx="5284722" cy="4845180"/>
           </a:xfrm>
           <a:prstGeom prst="rect">
@@ -3924,7 +4162,7 @@
         </p:nvSpPr>
         <p:spPr>
           <a:xfrm>
-            <a:off x="6771075" y="5634245"/>
+            <a:off x="6762413" y="5709853"/>
             <a:ext cx="4803611" cy="646331"/>
           </a:xfrm>
           <a:prstGeom prst="rect">
@@ -3940,7 +4178,7 @@
           <a:p>
             <a:r>
               <a:rPr lang="de-DE" sz="1200" b="1" dirty="0"/>
-              <a:t>Figure 1: </a:t>
+              <a:t>Figure 2: </a:t>
             </a:r>
             <a:r>
               <a:rPr lang="de-DE" sz="1200" b="1" i="1" dirty="0"/>
@@ -4585,315 +4823,6 @@
       </p:grpSpPr>
       <p:sp>
         <p:nvSpPr>
-          <p:cNvPr id="2" name="Titel 1"/>
-          <p:cNvSpPr>
-            <a:spLocks noGrp="1"/>
-          </p:cNvSpPr>
-          <p:nvPr>
-            <p:ph type="title"/>
-          </p:nvPr>
-        </p:nvSpPr>
-        <p:spPr/>
-        <p:txBody>
-          <a:bodyPr/>
-          <a:lstStyle/>
-          <a:p>
-            <a:r>
-              <a:rPr lang="de-DE" dirty="0" err="1"/>
-              <a:t>MetEngSim</a:t>
-            </a:r>
-            <a:r>
-              <a:rPr lang="de-DE" dirty="0"/>
-              <a:t> Notebook</a:t>
-            </a:r>
-          </a:p>
-        </p:txBody>
-      </p:sp>
-      <p:sp>
-        <p:nvSpPr>
-          <p:cNvPr id="3" name="Inhaltsplatzhalter 2"/>
-          <p:cNvSpPr>
-            <a:spLocks noGrp="1"/>
-          </p:cNvSpPr>
-          <p:nvPr>
-            <p:ph idx="1"/>
-          </p:nvPr>
-        </p:nvSpPr>
-        <p:spPr>
-          <a:xfrm>
-            <a:off x="609599" y="981075"/>
-            <a:ext cx="10841996" cy="5238750"/>
-          </a:xfrm>
-        </p:spPr>
-        <p:txBody>
-          <a:bodyPr/>
-          <a:lstStyle/>
-          <a:p>
-            <a:pPr marL="342900" indent="-342900">
-              <a:buFont typeface="Arial" panose="020B0604020202020204" pitchFamily="34" charset="0"/>
-              <a:buChar char="•"/>
-            </a:pPr>
-            <a:r>
-              <a:rPr lang="de-DE" dirty="0"/>
-              <a:t>RWTH </a:t>
-            </a:r>
-            <a:r>
-              <a:rPr lang="de-DE" dirty="0" err="1"/>
-              <a:t>Jupyter</a:t>
-            </a:r>
-            <a:r>
-              <a:rPr lang="de-DE" dirty="0"/>
-              <a:t> hub (</a:t>
-            </a:r>
-            <a:r>
-              <a:rPr lang="de-DE" dirty="0" err="1"/>
-              <a:t>biolabsim</a:t>
-            </a:r>
-            <a:r>
-              <a:rPr lang="de-DE" dirty="0"/>
-              <a:t>)</a:t>
-            </a:r>
-          </a:p>
-          <a:p>
-            <a:pPr marL="342900" indent="-342900">
-              <a:buFont typeface="Arial" panose="020B0604020202020204" pitchFamily="34" charset="0"/>
-              <a:buChar char="•"/>
-            </a:pPr>
-            <a:r>
-              <a:rPr lang="de-DE" dirty="0" err="1"/>
-              <a:t>Theoretical</a:t>
-            </a:r>
-            <a:r>
-              <a:rPr lang="de-DE" dirty="0"/>
-              <a:t> </a:t>
-            </a:r>
-            <a:r>
-              <a:rPr lang="de-DE" dirty="0" err="1"/>
-              <a:t>background</a:t>
-            </a:r>
-            <a:endParaRPr lang="de-DE" dirty="0"/>
-          </a:p>
-          <a:p>
-            <a:pPr marL="342900" indent="-342900">
-              <a:buFont typeface="Arial" panose="020B0604020202020204" pitchFamily="34" charset="0"/>
-              <a:buChar char="•"/>
-            </a:pPr>
-            <a:r>
-              <a:rPr lang="de-DE" dirty="0" err="1"/>
-              <a:t>Metabolic</a:t>
-            </a:r>
-            <a:r>
-              <a:rPr lang="de-DE" dirty="0"/>
-              <a:t> pair (</a:t>
-            </a:r>
-            <a:r>
-              <a:rPr lang="de-DE" dirty="0" err="1"/>
-              <a:t>substrate</a:t>
-            </a:r>
-            <a:r>
-              <a:rPr lang="de-DE" dirty="0"/>
-              <a:t> and </a:t>
-            </a:r>
-            <a:r>
-              <a:rPr lang="de-DE" dirty="0" err="1"/>
-              <a:t>product</a:t>
-            </a:r>
-            <a:r>
-              <a:rPr lang="de-DE" dirty="0"/>
-              <a:t>)</a:t>
-            </a:r>
-          </a:p>
-          <a:p>
-            <a:pPr marL="342900" indent="-342900">
-              <a:buFont typeface="Arial" panose="020B0604020202020204" pitchFamily="34" charset="0"/>
-              <a:buChar char="•"/>
-            </a:pPr>
-            <a:r>
-              <a:rPr lang="de-DE" dirty="0"/>
-              <a:t>Main </a:t>
-            </a:r>
-            <a:r>
-              <a:rPr lang="de-DE" dirty="0" err="1"/>
-              <a:t>tasks</a:t>
-            </a:r>
-            <a:r>
-              <a:rPr lang="de-DE" dirty="0"/>
-              <a:t>:</a:t>
-            </a:r>
-          </a:p>
-          <a:p>
-            <a:pPr marL="1085850" lvl="1" indent="-342900">
-              <a:buFont typeface="Arial" panose="020B0604020202020204" pitchFamily="34" charset="0"/>
-              <a:buChar char="•"/>
-            </a:pPr>
-            <a:r>
-              <a:rPr lang="de-DE" dirty="0" err="1"/>
-              <a:t>Familiarize</a:t>
-            </a:r>
-            <a:r>
-              <a:rPr lang="de-DE" dirty="0"/>
-              <a:t> </a:t>
-            </a:r>
-            <a:r>
-              <a:rPr lang="de-DE" dirty="0" err="1"/>
-              <a:t>with</a:t>
-            </a:r>
-            <a:r>
-              <a:rPr lang="de-DE" dirty="0"/>
-              <a:t> </a:t>
-            </a:r>
-            <a:r>
-              <a:rPr lang="de-DE" dirty="0" err="1"/>
-              <a:t>metabolic</a:t>
-            </a:r>
-            <a:r>
-              <a:rPr lang="de-DE" dirty="0"/>
-              <a:t> </a:t>
-            </a:r>
-            <a:r>
-              <a:rPr lang="de-DE" dirty="0" err="1"/>
-              <a:t>pathways</a:t>
-            </a:r>
-            <a:r>
-              <a:rPr lang="de-DE" dirty="0"/>
-              <a:t> </a:t>
-            </a:r>
-            <a:r>
-              <a:rPr lang="de-DE" dirty="0" err="1"/>
-              <a:t>by</a:t>
-            </a:r>
-            <a:r>
-              <a:rPr lang="de-DE" dirty="0"/>
-              <a:t> </a:t>
-            </a:r>
-            <a:r>
-              <a:rPr lang="de-DE" dirty="0" err="1"/>
-              <a:t>utilizing</a:t>
-            </a:r>
-            <a:r>
-              <a:rPr lang="de-DE" dirty="0"/>
-              <a:t> </a:t>
-            </a:r>
-            <a:r>
-              <a:rPr lang="de-DE" dirty="0" err="1"/>
-              <a:t>databases</a:t>
-            </a:r>
-            <a:r>
-              <a:rPr lang="de-DE" dirty="0"/>
-              <a:t> </a:t>
-            </a:r>
-          </a:p>
-          <a:p>
-            <a:pPr marL="1085850" lvl="1" indent="-342900">
-              <a:buFont typeface="Arial" panose="020B0604020202020204" pitchFamily="34" charset="0"/>
-              <a:buChar char="•"/>
-            </a:pPr>
-            <a:r>
-              <a:rPr lang="de-DE" dirty="0" err="1"/>
-              <a:t>Solve</a:t>
-            </a:r>
-            <a:r>
-              <a:rPr lang="de-DE" dirty="0"/>
-              <a:t> limited </a:t>
-            </a:r>
-            <a:r>
-              <a:rPr lang="de-DE" dirty="0" err="1"/>
-              <a:t>biomass</a:t>
-            </a:r>
-            <a:r>
-              <a:rPr lang="de-DE" dirty="0"/>
-              <a:t> </a:t>
-            </a:r>
-            <a:r>
-              <a:rPr lang="de-DE" dirty="0" err="1"/>
-              <a:t>outcome</a:t>
-            </a:r>
-            <a:endParaRPr lang="de-DE" dirty="0"/>
-          </a:p>
-          <a:p>
-            <a:pPr marL="1485900" lvl="2" indent="-342900">
-              <a:buFont typeface="Arial" panose="020B0604020202020204" pitchFamily="34" charset="0"/>
-              <a:buChar char="•"/>
-            </a:pPr>
-            <a:r>
-              <a:rPr lang="de-DE" dirty="0"/>
-              <a:t>Experiment </a:t>
-            </a:r>
-          </a:p>
-          <a:p>
-            <a:pPr marL="342900" indent="-342900">
-              <a:buFont typeface="Arial" panose="020B0604020202020204" pitchFamily="34" charset="0"/>
-              <a:buChar char="•"/>
-            </a:pPr>
-            <a:endParaRPr lang="de-DE" dirty="0"/>
-          </a:p>
-        </p:txBody>
-      </p:sp>
-      <p:sp>
-        <p:nvSpPr>
-          <p:cNvPr id="4" name="Foliennummernplatzhalter 3"/>
-          <p:cNvSpPr>
-            <a:spLocks noGrp="1"/>
-          </p:cNvSpPr>
-          <p:nvPr>
-            <p:ph type="sldNum" sz="quarter" idx="4"/>
-          </p:nvPr>
-        </p:nvSpPr>
-        <p:spPr/>
-        <p:txBody>
-          <a:bodyPr/>
-          <a:lstStyle/>
-          <a:p>
-            <a:pPr>
-              <a:defRPr/>
-            </a:pPr>
-            <a:fld id="{43A4F2A3-E643-4870-B8DE-4E58A4727210}" type="slidenum">
-              <a:rPr lang="de-DE" smtClean="0"/>
-              <a:pPr>
-                <a:defRPr/>
-              </a:pPr>
-              <a:t>4</a:t>
-            </a:fld>
-            <a:endParaRPr lang="de-DE" dirty="0">
-              <a:solidFill>
-                <a:srgbClr val="D3D9DD"/>
-              </a:solidFill>
-            </a:endParaRPr>
-          </a:p>
-        </p:txBody>
-      </p:sp>
-    </p:spTree>
-    <p:extLst>
-      <p:ext uri="{BB962C8B-B14F-4D97-AF65-F5344CB8AC3E}">
-        <p14:creationId xmlns:p14="http://schemas.microsoft.com/office/powerpoint/2010/main" val="1486587844"/>
-      </p:ext>
-    </p:extLst>
-  </p:cSld>
-  <p:clrMapOvr>
-    <a:masterClrMapping/>
-  </p:clrMapOvr>
-</p:sld>
-</file>
-
-<file path=ppt/slides/slide6.xml><?xml version="1.0" encoding="utf-8"?>
-<p:sld xmlns:a="http://schemas.openxmlformats.org/drawingml/2006/main" xmlns:r="http://schemas.openxmlformats.org/officeDocument/2006/relationships" xmlns:p="http://schemas.openxmlformats.org/presentationml/2006/main">
-  <p:cSld>
-    <p:spTree>
-      <p:nvGrpSpPr>
-        <p:cNvPr id="1" name=""/>
-        <p:cNvGrpSpPr/>
-        <p:nvPr/>
-      </p:nvGrpSpPr>
-      <p:grpSpPr>
-        <a:xfrm>
-          <a:off x="0" y="0"/>
-          <a:ext cx="0" cy="0"/>
-          <a:chOff x="0" y="0"/>
-          <a:chExt cx="0" cy="0"/>
-        </a:xfrm>
-      </p:grpSpPr>
-      <p:sp>
-        <p:nvSpPr>
           <p:cNvPr id="2" name="Titel 1">
             <a:extLst>
               <a:ext uri="{FF2B5EF4-FFF2-40B4-BE49-F238E27FC236}">
@@ -4914,8 +4843,12 @@
           <a:lstStyle/>
           <a:p>
             <a:r>
-              <a:rPr lang="de-DE" dirty="0"/>
-              <a:t>Beispiel: </a:t>
+              <a:rPr lang="de-DE" dirty="0" err="1"/>
+              <a:t>Example</a:t>
+            </a:r>
+            <a:r>
+              <a:rPr lang="de-DE" dirty="0"/>
+              <a:t>: </a:t>
             </a:r>
           </a:p>
         </p:txBody>
@@ -5056,7 +4989,7 @@
               <a:pPr>
                 <a:defRPr/>
               </a:pPr>
-              <a:t>5</a:t>
+              <a:t>4</a:t>
             </a:fld>
             <a:endParaRPr lang="de-DE" dirty="0">
               <a:solidFill>
@@ -5131,15 +5064,15 @@
           <a:lstStyle/>
           <a:p>
             <a:r>
-              <a:rPr lang="de-DE" sz="1200" dirty="0"/>
-              <a:t>Figure 2: ESCHER-</a:t>
-            </a:r>
-            <a:r>
-              <a:rPr lang="de-DE" sz="1200" dirty="0" err="1"/>
+              <a:rPr lang="de-DE" sz="1200" b="1" dirty="0"/>
+              <a:t>Figure 3: ESCHER-</a:t>
+            </a:r>
+            <a:r>
+              <a:rPr lang="de-DE" sz="1200" b="1" dirty="0" err="1"/>
               <a:t>map</a:t>
             </a:r>
             <a:r>
-              <a:rPr lang="de-DE" sz="1200" dirty="0"/>
+              <a:rPr lang="de-DE" sz="1200" b="1" dirty="0"/>
               <a:t>. </a:t>
             </a:r>
           </a:p>
@@ -5196,7 +5129,762 @@
 </p:sld>
 </file>
 
+<file path=ppt/slides/slide6.xml><?xml version="1.0" encoding="utf-8"?>
+<p:sld xmlns:a="http://schemas.openxmlformats.org/drawingml/2006/main" xmlns:r="http://schemas.openxmlformats.org/officeDocument/2006/relationships" xmlns:p="http://schemas.openxmlformats.org/presentationml/2006/main">
+  <p:cSld>
+    <p:spTree>
+      <p:nvGrpSpPr>
+        <p:cNvPr id="1" name=""/>
+        <p:cNvGrpSpPr/>
+        <p:nvPr/>
+      </p:nvGrpSpPr>
+      <p:grpSpPr>
+        <a:xfrm>
+          <a:off x="0" y="0"/>
+          <a:ext cx="0" cy="0"/>
+          <a:chOff x="0" y="0"/>
+          <a:chExt cx="0" cy="0"/>
+        </a:xfrm>
+      </p:grpSpPr>
+      <p:sp>
+        <p:nvSpPr>
+          <p:cNvPr id="2" name="Titel 1">
+            <a:extLst>
+              <a:ext uri="{FF2B5EF4-FFF2-40B4-BE49-F238E27FC236}">
+                <a16:creationId xmlns:a16="http://schemas.microsoft.com/office/drawing/2014/main" id="{A8613F87-5564-434B-A29F-0AE5C30470A2}"/>
+              </a:ext>
+            </a:extLst>
+          </p:cNvPr>
+          <p:cNvSpPr>
+            <a:spLocks noGrp="1"/>
+          </p:cNvSpPr>
+          <p:nvPr>
+            <p:ph type="title"/>
+          </p:nvPr>
+        </p:nvSpPr>
+        <p:spPr/>
+        <p:txBody>
+          <a:bodyPr/>
+          <a:lstStyle/>
+          <a:p>
+            <a:r>
+              <a:rPr lang="de-DE" dirty="0" err="1"/>
+              <a:t>MetEngSim</a:t>
+            </a:r>
+            <a:r>
+              <a:rPr lang="de-DE" dirty="0"/>
+              <a:t> Notebook </a:t>
+            </a:r>
+          </a:p>
+        </p:txBody>
+      </p:sp>
+      <p:sp>
+        <p:nvSpPr>
+          <p:cNvPr id="3" name="Inhaltsplatzhalter 2">
+            <a:extLst>
+              <a:ext uri="{FF2B5EF4-FFF2-40B4-BE49-F238E27FC236}">
+                <a16:creationId xmlns:a16="http://schemas.microsoft.com/office/drawing/2014/main" id="{02C95D98-A45A-6B3D-D000-4D46F70699E7}"/>
+              </a:ext>
+            </a:extLst>
+          </p:cNvPr>
+          <p:cNvSpPr>
+            <a:spLocks noGrp="1"/>
+          </p:cNvSpPr>
+          <p:nvPr>
+            <p:ph idx="1"/>
+          </p:nvPr>
+        </p:nvSpPr>
+        <p:spPr>
+          <a:xfrm>
+            <a:off x="216660" y="1754987"/>
+            <a:ext cx="5472537" cy="3348025"/>
+          </a:xfrm>
+        </p:spPr>
+        <p:txBody>
+          <a:bodyPr/>
+          <a:lstStyle/>
+          <a:p>
+            <a:pPr marL="342900" indent="-342900">
+              <a:buFont typeface="Arial" panose="020B0604020202020204" pitchFamily="34" charset="0"/>
+              <a:buChar char="•"/>
+            </a:pPr>
+            <a:r>
+              <a:rPr lang="de-DE" b="1" dirty="0"/>
+              <a:t>Working </a:t>
+            </a:r>
+            <a:r>
+              <a:rPr lang="de-DE" b="1" dirty="0" err="1"/>
+              <a:t>environment</a:t>
+            </a:r>
+            <a:endParaRPr lang="de-DE" b="1" dirty="0"/>
+          </a:p>
+          <a:p>
+            <a:pPr marL="1085850" lvl="1" indent="-342900">
+              <a:buFont typeface="Arial" panose="020B0604020202020204" pitchFamily="34" charset="0"/>
+              <a:buChar char="•"/>
+            </a:pPr>
+            <a:r>
+              <a:rPr lang="de-DE" dirty="0"/>
+              <a:t>RWTH </a:t>
+            </a:r>
+            <a:r>
+              <a:rPr lang="de-DE" dirty="0" err="1"/>
+              <a:t>Jupyter</a:t>
+            </a:r>
+            <a:r>
+              <a:rPr lang="de-DE" dirty="0"/>
+              <a:t> hub (</a:t>
+            </a:r>
+            <a:r>
+              <a:rPr lang="de-DE" dirty="0" err="1"/>
+              <a:t>biolabsim</a:t>
+            </a:r>
+            <a:r>
+              <a:rPr lang="de-DE" dirty="0"/>
+              <a:t>)</a:t>
+            </a:r>
+          </a:p>
+          <a:p>
+            <a:pPr marL="1085850" lvl="1" indent="-342900">
+              <a:buFont typeface="Arial" panose="020B0604020202020204" pitchFamily="34" charset="0"/>
+              <a:buChar char="•"/>
+            </a:pPr>
+            <a:r>
+              <a:rPr lang="de-DE" dirty="0"/>
+              <a:t>*</a:t>
+            </a:r>
+            <a:r>
+              <a:rPr lang="de-DE" dirty="0" err="1"/>
+              <a:t>click</a:t>
+            </a:r>
+            <a:r>
+              <a:rPr lang="de-DE" dirty="0"/>
+              <a:t>* Notebooks </a:t>
+            </a:r>
+          </a:p>
+          <a:p>
+            <a:pPr marL="1085850" lvl="1" indent="-342900">
+              <a:buFont typeface="Arial" panose="020B0604020202020204" pitchFamily="34" charset="0"/>
+              <a:buChar char="•"/>
+            </a:pPr>
+            <a:r>
+              <a:rPr lang="de-DE" dirty="0"/>
+              <a:t>*</a:t>
+            </a:r>
+            <a:r>
+              <a:rPr lang="de-DE" dirty="0" err="1"/>
+              <a:t>click</a:t>
+            </a:r>
+            <a:r>
+              <a:rPr lang="de-DE" dirty="0"/>
+              <a:t>* </a:t>
+            </a:r>
+            <a:r>
+              <a:rPr lang="de-DE" dirty="0" err="1"/>
+              <a:t>MetEngSim.ipynb</a:t>
+            </a:r>
+            <a:endParaRPr lang="de-DE" dirty="0"/>
+          </a:p>
+          <a:p>
+            <a:pPr marL="1485900" lvl="2" indent="-342900">
+              <a:buFont typeface="Symbol" pitchFamily="2" charset="2"/>
+              <a:buChar char="-"/>
+            </a:pPr>
+            <a:r>
+              <a:rPr lang="de-DE" dirty="0" err="1"/>
+              <a:t>Installing</a:t>
+            </a:r>
+            <a:r>
+              <a:rPr lang="de-DE" dirty="0"/>
+              <a:t> </a:t>
+            </a:r>
+            <a:r>
+              <a:rPr lang="de-DE" dirty="0" err="1"/>
+              <a:t>requirements</a:t>
+            </a:r>
+            <a:r>
+              <a:rPr lang="de-DE" dirty="0"/>
+              <a:t> </a:t>
+            </a:r>
+          </a:p>
+          <a:p>
+            <a:pPr marL="1485900" lvl="2" indent="-342900">
+              <a:buFont typeface="Symbol" pitchFamily="2" charset="2"/>
+              <a:buChar char="-"/>
+            </a:pPr>
+            <a:r>
+              <a:rPr lang="de-DE" dirty="0" err="1"/>
+              <a:t>Restarting</a:t>
+            </a:r>
+            <a:r>
+              <a:rPr lang="de-DE" dirty="0"/>
+              <a:t> Kernel </a:t>
+            </a:r>
+          </a:p>
+          <a:p>
+            <a:pPr marL="1085850" lvl="1" indent="-342900">
+              <a:buFont typeface="Arial" panose="020B0604020202020204" pitchFamily="34" charset="0"/>
+              <a:buChar char="•"/>
+            </a:pPr>
+            <a:endParaRPr lang="de-DE" b="1" dirty="0"/>
+          </a:p>
+        </p:txBody>
+      </p:sp>
+      <p:sp>
+        <p:nvSpPr>
+          <p:cNvPr id="4" name="Foliennummernplatzhalter 3">
+            <a:extLst>
+              <a:ext uri="{FF2B5EF4-FFF2-40B4-BE49-F238E27FC236}">
+                <a16:creationId xmlns:a16="http://schemas.microsoft.com/office/drawing/2014/main" id="{2C5FDDEF-6C1D-0937-F9C5-6ED75A97255D}"/>
+              </a:ext>
+            </a:extLst>
+          </p:cNvPr>
+          <p:cNvSpPr>
+            <a:spLocks noGrp="1"/>
+          </p:cNvSpPr>
+          <p:nvPr>
+            <p:ph type="sldNum" sz="quarter" idx="4"/>
+          </p:nvPr>
+        </p:nvSpPr>
+        <p:spPr/>
+        <p:txBody>
+          <a:bodyPr/>
+          <a:lstStyle/>
+          <a:p>
+            <a:pPr>
+              <a:defRPr/>
+            </a:pPr>
+            <a:fld id="{43A4F2A3-E643-4870-B8DE-4E58A4727210}" type="slidenum">
+              <a:rPr lang="de-DE" smtClean="0"/>
+              <a:pPr>
+                <a:defRPr/>
+              </a:pPr>
+              <a:t>5</a:t>
+            </a:fld>
+            <a:endParaRPr lang="de-DE" dirty="0">
+              <a:solidFill>
+                <a:srgbClr val="D3D9DD"/>
+              </a:solidFill>
+            </a:endParaRPr>
+          </a:p>
+        </p:txBody>
+      </p:sp>
+      <p:pic>
+        <p:nvPicPr>
+          <p:cNvPr id="6" name="Grafik 5" descr="Ein Bild, das Text, Schrift, Screenshot enthält.&#10;&#10;Automatisch generierte Beschreibung">
+            <a:extLst>
+              <a:ext uri="{FF2B5EF4-FFF2-40B4-BE49-F238E27FC236}">
+                <a16:creationId xmlns:a16="http://schemas.microsoft.com/office/drawing/2014/main" id="{A77B77B5-0DEA-E04B-ED66-1DAC3511BC0C}"/>
+              </a:ext>
+            </a:extLst>
+          </p:cNvPr>
+          <p:cNvPicPr>
+            <a:picLocks noChangeAspect="1"/>
+          </p:cNvPicPr>
+          <p:nvPr/>
+        </p:nvPicPr>
+        <p:blipFill>
+          <a:blip r:embed="rId2">
+            <a:extLst>
+              <a:ext uri="{28A0092B-C50C-407E-A947-70E740481C1C}">
+                <a14:useLocalDpi xmlns:a14="http://schemas.microsoft.com/office/drawing/2010/main" val="0"/>
+              </a:ext>
+            </a:extLst>
+          </a:blip>
+          <a:stretch>
+            <a:fillRect/>
+          </a:stretch>
+        </p:blipFill>
+        <p:spPr>
+          <a:xfrm>
+            <a:off x="5893628" y="539460"/>
+            <a:ext cx="6081712" cy="1342234"/>
+          </a:xfrm>
+          <a:prstGeom prst="rect">
+            <a:avLst/>
+          </a:prstGeom>
+        </p:spPr>
+      </p:pic>
+      <p:pic>
+        <p:nvPicPr>
+          <p:cNvPr id="7" name="Grafik 6" descr="Ein Bild, das Text, Reihe, Screenshot enthält.&#10;&#10;Automatisch generierte Beschreibung">
+            <a:extLst>
+              <a:ext uri="{FF2B5EF4-FFF2-40B4-BE49-F238E27FC236}">
+                <a16:creationId xmlns:a16="http://schemas.microsoft.com/office/drawing/2014/main" id="{A3FC6169-949E-3EC1-BF68-CC922EA504BA}"/>
+              </a:ext>
+            </a:extLst>
+          </p:cNvPr>
+          <p:cNvPicPr>
+            <a:picLocks noChangeAspect="1"/>
+          </p:cNvPicPr>
+          <p:nvPr/>
+        </p:nvPicPr>
+        <p:blipFill>
+          <a:blip r:embed="rId3">
+            <a:extLst>
+              <a:ext uri="{28A0092B-C50C-407E-A947-70E740481C1C}">
+                <a14:useLocalDpi xmlns:a14="http://schemas.microsoft.com/office/drawing/2010/main" val="0"/>
+              </a:ext>
+            </a:extLst>
+          </a:blip>
+          <a:stretch>
+            <a:fillRect/>
+          </a:stretch>
+        </p:blipFill>
+        <p:spPr>
+          <a:xfrm>
+            <a:off x="6082137" y="1848100"/>
+            <a:ext cx="5786896" cy="950418"/>
+          </a:xfrm>
+          <a:prstGeom prst="rect">
+            <a:avLst/>
+          </a:prstGeom>
+        </p:spPr>
+      </p:pic>
+      <p:pic>
+        <p:nvPicPr>
+          <p:cNvPr id="9" name="Grafik 8" descr="Ein Bild, das Text, Screenshot, Software, Zahl enthält.&#10;&#10;Automatisch generierte Beschreibung">
+            <a:extLst>
+              <a:ext uri="{FF2B5EF4-FFF2-40B4-BE49-F238E27FC236}">
+                <a16:creationId xmlns:a16="http://schemas.microsoft.com/office/drawing/2014/main" id="{A573CD84-7C1B-DF5C-1F5E-A86833A75041}"/>
+              </a:ext>
+            </a:extLst>
+          </p:cNvPr>
+          <p:cNvPicPr>
+            <a:picLocks noChangeAspect="1"/>
+          </p:cNvPicPr>
+          <p:nvPr/>
+        </p:nvPicPr>
+        <p:blipFill>
+          <a:blip r:embed="rId4">
+            <a:extLst>
+              <a:ext uri="{28A0092B-C50C-407E-A947-70E740481C1C}">
+                <a14:useLocalDpi xmlns:a14="http://schemas.microsoft.com/office/drawing/2010/main" val="0"/>
+              </a:ext>
+            </a:extLst>
+          </a:blip>
+          <a:stretch>
+            <a:fillRect/>
+          </a:stretch>
+        </p:blipFill>
+        <p:spPr>
+          <a:xfrm>
+            <a:off x="5915981" y="2882789"/>
+            <a:ext cx="6158051" cy="3506668"/>
+          </a:xfrm>
+          <a:prstGeom prst="rect">
+            <a:avLst/>
+          </a:prstGeom>
+        </p:spPr>
+      </p:pic>
+    </p:spTree>
+    <p:extLst>
+      <p:ext uri="{BB962C8B-B14F-4D97-AF65-F5344CB8AC3E}">
+        <p14:creationId xmlns:p14="http://schemas.microsoft.com/office/powerpoint/2010/main" val="2743829018"/>
+      </p:ext>
+    </p:extLst>
+  </p:cSld>
+  <p:clrMapOvr>
+    <a:masterClrMapping/>
+  </p:clrMapOvr>
+</p:sld>
+</file>
+
 <file path=ppt/slides/slide7.xml><?xml version="1.0" encoding="utf-8"?>
+<p:sld xmlns:a="http://schemas.openxmlformats.org/drawingml/2006/main" xmlns:r="http://schemas.openxmlformats.org/officeDocument/2006/relationships" xmlns:p="http://schemas.openxmlformats.org/presentationml/2006/main">
+  <p:cSld>
+    <p:spTree>
+      <p:nvGrpSpPr>
+        <p:cNvPr id="1" name=""/>
+        <p:cNvGrpSpPr/>
+        <p:nvPr/>
+      </p:nvGrpSpPr>
+      <p:grpSpPr>
+        <a:xfrm>
+          <a:off x="0" y="0"/>
+          <a:ext cx="0" cy="0"/>
+          <a:chOff x="0" y="0"/>
+          <a:chExt cx="0" cy="0"/>
+        </a:xfrm>
+      </p:grpSpPr>
+      <p:sp>
+        <p:nvSpPr>
+          <p:cNvPr id="2" name="Titel 1"/>
+          <p:cNvSpPr>
+            <a:spLocks noGrp="1"/>
+          </p:cNvSpPr>
+          <p:nvPr>
+            <p:ph type="title"/>
+          </p:nvPr>
+        </p:nvSpPr>
+        <p:spPr/>
+        <p:txBody>
+          <a:bodyPr/>
+          <a:lstStyle/>
+          <a:p>
+            <a:r>
+              <a:rPr lang="de-DE" dirty="0" err="1"/>
+              <a:t>MetEngSim</a:t>
+            </a:r>
+            <a:r>
+              <a:rPr lang="de-DE" dirty="0"/>
+              <a:t> Notebook</a:t>
+            </a:r>
+          </a:p>
+        </p:txBody>
+      </p:sp>
+      <p:sp>
+        <p:nvSpPr>
+          <p:cNvPr id="3" name="Inhaltsplatzhalter 2"/>
+          <p:cNvSpPr>
+            <a:spLocks noGrp="1"/>
+          </p:cNvSpPr>
+          <p:nvPr>
+            <p:ph idx="1"/>
+          </p:nvPr>
+        </p:nvSpPr>
+        <p:spPr>
+          <a:xfrm>
+            <a:off x="609599" y="981075"/>
+            <a:ext cx="5486401" cy="5238750"/>
+          </a:xfrm>
+        </p:spPr>
+        <p:txBody>
+          <a:bodyPr/>
+          <a:lstStyle/>
+          <a:p>
+            <a:pPr marL="342900" indent="-342900">
+              <a:buFont typeface="Arial" panose="020B0604020202020204" pitchFamily="34" charset="0"/>
+              <a:buChar char="•"/>
+            </a:pPr>
+            <a:r>
+              <a:rPr lang="de-DE" dirty="0" err="1"/>
+              <a:t>Theoretical</a:t>
+            </a:r>
+            <a:r>
+              <a:rPr lang="de-DE" dirty="0"/>
+              <a:t> </a:t>
+            </a:r>
+            <a:r>
+              <a:rPr lang="de-DE" dirty="0" err="1"/>
+              <a:t>background</a:t>
+            </a:r>
+            <a:endParaRPr lang="de-DE" dirty="0"/>
+          </a:p>
+          <a:p>
+            <a:pPr marL="342900" indent="-342900">
+              <a:buFont typeface="Arial" panose="020B0604020202020204" pitchFamily="34" charset="0"/>
+              <a:buChar char="•"/>
+            </a:pPr>
+            <a:r>
+              <a:rPr lang="de-DE" dirty="0" err="1"/>
+              <a:t>Metabolic</a:t>
+            </a:r>
+            <a:r>
+              <a:rPr lang="de-DE" dirty="0"/>
+              <a:t> pair (</a:t>
+            </a:r>
+            <a:r>
+              <a:rPr lang="de-DE" dirty="0" err="1"/>
+              <a:t>substrate</a:t>
+            </a:r>
+            <a:r>
+              <a:rPr lang="de-DE" dirty="0"/>
+              <a:t> and </a:t>
+            </a:r>
+            <a:r>
+              <a:rPr lang="de-DE" dirty="0" err="1"/>
+              <a:t>product</a:t>
+            </a:r>
+            <a:r>
+              <a:rPr lang="de-DE" dirty="0"/>
+              <a:t>)</a:t>
+            </a:r>
+          </a:p>
+          <a:p>
+            <a:pPr marL="342900" indent="-342900">
+              <a:buFont typeface="Arial" panose="020B0604020202020204" pitchFamily="34" charset="0"/>
+              <a:buChar char="•"/>
+            </a:pPr>
+            <a:r>
+              <a:rPr lang="de-DE" dirty="0"/>
+              <a:t>Main </a:t>
+            </a:r>
+            <a:r>
+              <a:rPr lang="de-DE" dirty="0" err="1"/>
+              <a:t>tasks</a:t>
+            </a:r>
+            <a:r>
+              <a:rPr lang="de-DE" dirty="0"/>
+              <a:t>:</a:t>
+            </a:r>
+          </a:p>
+          <a:p>
+            <a:pPr marL="1085850" lvl="1" indent="-342900">
+              <a:buFont typeface="Arial" panose="020B0604020202020204" pitchFamily="34" charset="0"/>
+              <a:buChar char="•"/>
+            </a:pPr>
+            <a:r>
+              <a:rPr lang="de-DE" dirty="0" err="1"/>
+              <a:t>Familiarize</a:t>
+            </a:r>
+            <a:r>
+              <a:rPr lang="de-DE" dirty="0"/>
+              <a:t> </a:t>
+            </a:r>
+            <a:r>
+              <a:rPr lang="de-DE" dirty="0" err="1"/>
+              <a:t>with</a:t>
+            </a:r>
+            <a:r>
+              <a:rPr lang="de-DE" dirty="0"/>
+              <a:t> </a:t>
+            </a:r>
+            <a:r>
+              <a:rPr lang="de-DE" dirty="0" err="1"/>
+              <a:t>metabolic</a:t>
+            </a:r>
+            <a:r>
+              <a:rPr lang="de-DE" dirty="0"/>
+              <a:t> </a:t>
+            </a:r>
+            <a:r>
+              <a:rPr lang="de-DE" dirty="0" err="1"/>
+              <a:t>pathways</a:t>
+            </a:r>
+            <a:r>
+              <a:rPr lang="de-DE" dirty="0"/>
+              <a:t> </a:t>
+            </a:r>
+            <a:r>
+              <a:rPr lang="de-DE" dirty="0" err="1"/>
+              <a:t>by</a:t>
+            </a:r>
+            <a:r>
+              <a:rPr lang="de-DE" dirty="0"/>
+              <a:t> </a:t>
+            </a:r>
+            <a:r>
+              <a:rPr lang="de-DE" dirty="0" err="1"/>
+              <a:t>utilizing</a:t>
+            </a:r>
+            <a:r>
+              <a:rPr lang="de-DE" dirty="0"/>
+              <a:t> </a:t>
+            </a:r>
+            <a:r>
+              <a:rPr lang="de-DE" dirty="0" err="1"/>
+              <a:t>databases</a:t>
+            </a:r>
+            <a:r>
+              <a:rPr lang="de-DE" dirty="0"/>
+              <a:t> </a:t>
+            </a:r>
+          </a:p>
+          <a:p>
+            <a:pPr marL="1085850" lvl="1" indent="-342900">
+              <a:buFont typeface="Arial" panose="020B0604020202020204" pitchFamily="34" charset="0"/>
+              <a:buChar char="•"/>
+            </a:pPr>
+            <a:r>
+              <a:rPr lang="de-DE" dirty="0" err="1"/>
+              <a:t>Solve</a:t>
+            </a:r>
+            <a:r>
+              <a:rPr lang="de-DE" dirty="0"/>
+              <a:t> limited </a:t>
+            </a:r>
+            <a:r>
+              <a:rPr lang="de-DE" dirty="0" err="1"/>
+              <a:t>biomass</a:t>
+            </a:r>
+            <a:r>
+              <a:rPr lang="de-DE" dirty="0"/>
+              <a:t> </a:t>
+            </a:r>
+            <a:r>
+              <a:rPr lang="de-DE" dirty="0" err="1"/>
+              <a:t>outcome</a:t>
+            </a:r>
+            <a:endParaRPr lang="de-DE" dirty="0"/>
+          </a:p>
+          <a:p>
+            <a:pPr marL="1485900" lvl="2" indent="-342900">
+              <a:buFont typeface="Arial" panose="020B0604020202020204" pitchFamily="34" charset="0"/>
+              <a:buChar char="•"/>
+            </a:pPr>
+            <a:r>
+              <a:rPr lang="de-DE" dirty="0"/>
+              <a:t>Experiment </a:t>
+            </a:r>
+          </a:p>
+          <a:p>
+            <a:pPr marL="342900" indent="-342900">
+              <a:buFont typeface="Arial" panose="020B0604020202020204" pitchFamily="34" charset="0"/>
+              <a:buChar char="•"/>
+            </a:pPr>
+            <a:endParaRPr lang="de-DE" dirty="0"/>
+          </a:p>
+        </p:txBody>
+      </p:sp>
+      <p:sp>
+        <p:nvSpPr>
+          <p:cNvPr id="4" name="Foliennummernplatzhalter 3"/>
+          <p:cNvSpPr>
+            <a:spLocks noGrp="1"/>
+          </p:cNvSpPr>
+          <p:nvPr>
+            <p:ph type="sldNum" sz="quarter" idx="4"/>
+          </p:nvPr>
+        </p:nvSpPr>
+        <p:spPr/>
+        <p:txBody>
+          <a:bodyPr/>
+          <a:lstStyle/>
+          <a:p>
+            <a:pPr>
+              <a:defRPr/>
+            </a:pPr>
+            <a:fld id="{43A4F2A3-E643-4870-B8DE-4E58A4727210}" type="slidenum">
+              <a:rPr lang="de-DE" smtClean="0"/>
+              <a:pPr>
+                <a:defRPr/>
+              </a:pPr>
+              <a:t>6</a:t>
+            </a:fld>
+            <a:endParaRPr lang="de-DE" dirty="0">
+              <a:solidFill>
+                <a:srgbClr val="D3D9DD"/>
+              </a:solidFill>
+            </a:endParaRPr>
+          </a:p>
+        </p:txBody>
+      </p:sp>
+      <p:pic>
+        <p:nvPicPr>
+          <p:cNvPr id="15" name="Grafik 14" descr="Ein Bild, das Text, Screenshot, Diagramm, Rechteck enthält.&#10;&#10;Automatisch generierte Beschreibung">
+            <a:extLst>
+              <a:ext uri="{FF2B5EF4-FFF2-40B4-BE49-F238E27FC236}">
+                <a16:creationId xmlns:a16="http://schemas.microsoft.com/office/drawing/2014/main" id="{ADAEFD4A-BA3E-D06E-07FD-ABD89DD7A43B}"/>
+              </a:ext>
+            </a:extLst>
+          </p:cNvPr>
+          <p:cNvPicPr>
+            <a:picLocks noChangeAspect="1"/>
+          </p:cNvPicPr>
+          <p:nvPr/>
+        </p:nvPicPr>
+        <p:blipFill>
+          <a:blip r:embed="rId2">
+            <a:extLst>
+              <a:ext uri="{28A0092B-C50C-407E-A947-70E740481C1C}">
+                <a14:useLocalDpi xmlns:a14="http://schemas.microsoft.com/office/drawing/2010/main" val="0"/>
+              </a:ext>
+            </a:extLst>
+          </a:blip>
+          <a:stretch>
+            <a:fillRect/>
+          </a:stretch>
+        </p:blipFill>
+        <p:spPr>
+          <a:xfrm>
+            <a:off x="6287289" y="573257"/>
+            <a:ext cx="5298666" cy="4892024"/>
+          </a:xfrm>
+          <a:prstGeom prst="rect">
+            <a:avLst/>
+          </a:prstGeom>
+        </p:spPr>
+      </p:pic>
+      <p:sp>
+        <p:nvSpPr>
+          <p:cNvPr id="16" name="Textfeld 15">
+            <a:extLst>
+              <a:ext uri="{FF2B5EF4-FFF2-40B4-BE49-F238E27FC236}">
+                <a16:creationId xmlns:a16="http://schemas.microsoft.com/office/drawing/2014/main" id="{99266A47-69AB-4003-A026-306C576BCF98}"/>
+              </a:ext>
+            </a:extLst>
+          </p:cNvPr>
+          <p:cNvSpPr txBox="1"/>
+          <p:nvPr/>
+        </p:nvSpPr>
+        <p:spPr>
+          <a:xfrm>
+            <a:off x="7176120" y="5465281"/>
+            <a:ext cx="4185465" cy="276999"/>
+          </a:xfrm>
+          <a:prstGeom prst="rect">
+            <a:avLst/>
+          </a:prstGeom>
+          <a:noFill/>
+        </p:spPr>
+        <p:txBody>
+          <a:bodyPr wrap="square" rtlCol="0">
+            <a:spAutoFit/>
+          </a:bodyPr>
+          <a:lstStyle/>
+          <a:p>
+            <a:r>
+              <a:rPr lang="de-DE" sz="1200" b="1" dirty="0"/>
+              <a:t>Figure 4: </a:t>
+            </a:r>
+            <a:r>
+              <a:rPr lang="de-DE" sz="1200" b="1" dirty="0" err="1"/>
+              <a:t>Optimized</a:t>
+            </a:r>
+            <a:r>
+              <a:rPr lang="de-DE" sz="1200" b="1" dirty="0"/>
+              <a:t> </a:t>
+            </a:r>
+            <a:r>
+              <a:rPr lang="de-DE" sz="1200" b="1" dirty="0" err="1"/>
+              <a:t>model</a:t>
+            </a:r>
+            <a:r>
+              <a:rPr lang="de-DE" sz="1200" b="1" dirty="0"/>
+              <a:t> </a:t>
+            </a:r>
+            <a:r>
+              <a:rPr lang="de-DE" sz="1200" b="1" dirty="0" err="1"/>
+              <a:t>with</a:t>
+            </a:r>
+            <a:r>
+              <a:rPr lang="de-DE" sz="1200" b="1" dirty="0"/>
+              <a:t> </a:t>
+            </a:r>
+            <a:r>
+              <a:rPr lang="de-DE" sz="1200" b="1" dirty="0" err="1"/>
+              <a:t>correct</a:t>
+            </a:r>
+            <a:r>
+              <a:rPr lang="de-DE" sz="1200" b="1" dirty="0"/>
+              <a:t> </a:t>
+            </a:r>
+            <a:r>
+              <a:rPr lang="de-DE" sz="1200" b="1" dirty="0" err="1"/>
+              <a:t>reaction</a:t>
+            </a:r>
+            <a:r>
+              <a:rPr lang="de-DE" sz="1200" b="1" dirty="0"/>
+              <a:t> ID. </a:t>
+            </a:r>
+          </a:p>
+        </p:txBody>
+      </p:sp>
+    </p:spTree>
+    <p:extLst>
+      <p:ext uri="{BB962C8B-B14F-4D97-AF65-F5344CB8AC3E}">
+        <p14:creationId xmlns:p14="http://schemas.microsoft.com/office/powerpoint/2010/main" val="1486587844"/>
+      </p:ext>
+    </p:extLst>
+  </p:cSld>
+  <p:clrMapOvr>
+    <a:masterClrMapping/>
+  </p:clrMapOvr>
+</p:sld>
+</file>
+
+<file path=ppt/slides/slide8.xml><?xml version="1.0" encoding="utf-8"?>
 <p:sld xmlns:a="http://schemas.openxmlformats.org/drawingml/2006/main" xmlns:r="http://schemas.openxmlformats.org/officeDocument/2006/relationships" xmlns:p="http://schemas.openxmlformats.org/presentationml/2006/main">
   <p:cSld>
     <p:spTree>
@@ -5259,8 +5947,8 @@
         </p:nvSpPr>
         <p:spPr>
           <a:xfrm>
-            <a:off x="609600" y="981075"/>
-            <a:ext cx="5891445" cy="5238750"/>
+            <a:off x="200699" y="3083970"/>
+            <a:ext cx="5891445" cy="1772850"/>
           </a:xfrm>
         </p:spPr>
         <p:txBody>
@@ -5312,7 +6000,7 @@
               <a:pPr>
                 <a:defRPr/>
               </a:pPr>
-              <a:t>6</a:t>
+              <a:t>7</a:t>
             </a:fld>
             <a:endParaRPr lang="de-DE" dirty="0">
               <a:solidFill>
@@ -5350,7 +6038,7 @@
         </p:blipFill>
         <p:spPr>
           <a:xfrm>
-            <a:off x="7851195" y="940281"/>
+            <a:off x="7536160" y="1808820"/>
             <a:ext cx="3048000" cy="3048000"/>
           </a:xfrm>
           <a:prstGeom prst="rect">
@@ -5371,7 +6059,7 @@
 </p:sld>
 </file>
 
-<file path=ppt/slides/slide8.xml><?xml version="1.0" encoding="utf-8"?>
+<file path=ppt/slides/slide9.xml><?xml version="1.0" encoding="utf-8"?>
 <p:sld xmlns:a="http://schemas.openxmlformats.org/drawingml/2006/main" xmlns:r="http://schemas.openxmlformats.org/officeDocument/2006/relationships" xmlns:p="http://schemas.openxmlformats.org/presentationml/2006/main">
   <p:cSld>
     <p:spTree>
@@ -5400,7 +6088,7 @@
         </p:nvSpPr>
         <p:spPr>
           <a:xfrm>
-            <a:off x="520825" y="1003174"/>
+            <a:off x="2823000" y="953725"/>
             <a:ext cx="6430270" cy="5264461"/>
           </a:xfrm>
         </p:spPr>
@@ -5409,135 +6097,45 @@
           <a:lstStyle/>
           <a:p>
             <a:r>
-              <a:rPr lang="en-US"/>
+              <a:rPr lang="en-US" dirty="0"/>
               <a:t>Thank you for your attention</a:t>
             </a:r>
             <a:br>
-              <a:rPr lang="en-US"/>
+              <a:rPr lang="en-US" dirty="0"/>
             </a:br>
             <a:br>
-              <a:rPr lang="en-US"/>
+              <a:rPr lang="en-US" dirty="0"/>
             </a:br>
             <a:br>
-              <a:rPr lang="en-US"/>
+              <a:rPr lang="en-US" dirty="0"/>
             </a:br>
             <a:br>
-              <a:rPr lang="en-US"/>
+              <a:rPr lang="en-US" dirty="0"/>
             </a:br>
             <a:br>
-              <a:rPr lang="en-US"/>
+              <a:rPr lang="en-US" dirty="0"/>
             </a:br>
             <a:br>
-              <a:rPr lang="en-US"/>
+              <a:rPr lang="en-US" dirty="0"/>
             </a:br>
             <a:br>
-              <a:rPr lang="en-US"/>
+              <a:rPr lang="en-US" dirty="0"/>
             </a:br>
             <a:br>
-              <a:rPr lang="en-US"/>
+              <a:rPr lang="en-US" dirty="0"/>
             </a:br>
             <a:br>
-              <a:rPr lang="en-US"/>
+              <a:rPr lang="en-US" dirty="0"/>
             </a:br>
             <a:br>
-              <a:rPr lang="en-US"/>
+              <a:rPr lang="en-US" dirty="0"/>
             </a:br>
             <a:br>
-              <a:rPr lang="en-US"/>
+              <a:rPr lang="en-US" dirty="0"/>
             </a:br>
             <a:r>
-              <a:rPr lang="en-US"/>
+              <a:rPr lang="en-US" dirty="0"/>
               <a:t>Questions?</a:t>
-            </a:r>
-          </a:p>
-        </p:txBody>
-      </p:sp>
-      <p:sp>
-        <p:nvSpPr>
-          <p:cNvPr id="4" name="TextBox 3"/>
-          <p:cNvSpPr txBox="1"/>
-          <p:nvPr/>
-        </p:nvSpPr>
-        <p:spPr>
-          <a:xfrm>
-            <a:off x="7208913" y="1043735"/>
-            <a:ext cx="2924327" cy="4832092"/>
-          </a:xfrm>
-          <a:prstGeom prst="rect">
-            <a:avLst/>
-          </a:prstGeom>
-          <a:noFill/>
-        </p:spPr>
-        <p:txBody>
-          <a:bodyPr wrap="none" rtlCol="0">
-            <a:spAutoFit/>
-          </a:bodyPr>
-          <a:lstStyle/>
-          <a:p>
-            <a:r>
-              <a:rPr lang="en-US" sz="2800" b="1">
-                <a:latin typeface="Calibri" panose="020F0502020204030204" pitchFamily="34" charset="0"/>
-              </a:rPr>
-              <a:t>Acknowlegements</a:t>
-            </a:r>
-          </a:p>
-          <a:p>
-            <a:endParaRPr lang="en-US" sz="2800" b="1">
-              <a:latin typeface="Calibri" panose="020F0502020204030204" pitchFamily="34" charset="0"/>
-            </a:endParaRPr>
-          </a:p>
-          <a:p>
-            <a:r>
-              <a:rPr lang="en-US" sz="2800" b="1">
-                <a:latin typeface="Calibri" panose="020F0502020204030204" pitchFamily="34" charset="0"/>
-              </a:rPr>
-              <a:t>…</a:t>
-            </a:r>
-          </a:p>
-          <a:p>
-            <a:endParaRPr lang="en-US" sz="2800" b="1">
-              <a:latin typeface="Calibri" panose="020F0502020204030204" pitchFamily="34" charset="0"/>
-            </a:endParaRPr>
-          </a:p>
-          <a:p>
-            <a:endParaRPr lang="en-US" sz="2800" b="1">
-              <a:latin typeface="Calibri" panose="020F0502020204030204" pitchFamily="34" charset="0"/>
-            </a:endParaRPr>
-          </a:p>
-          <a:p>
-            <a:endParaRPr lang="en-US" sz="2800" b="1">
-              <a:latin typeface="Calibri" panose="020F0502020204030204" pitchFamily="34" charset="0"/>
-            </a:endParaRPr>
-          </a:p>
-          <a:p>
-            <a:endParaRPr lang="en-US" sz="2800" b="1">
-              <a:latin typeface="Calibri" panose="020F0502020204030204" pitchFamily="34" charset="0"/>
-            </a:endParaRPr>
-          </a:p>
-          <a:p>
-            <a:endParaRPr lang="en-US" sz="2800" b="1">
-              <a:latin typeface="Calibri" panose="020F0502020204030204" pitchFamily="34" charset="0"/>
-            </a:endParaRPr>
-          </a:p>
-          <a:p>
-            <a:r>
-              <a:rPr lang="en-US" sz="2800" b="1">
-                <a:latin typeface="Calibri" panose="020F0502020204030204" pitchFamily="34" charset="0"/>
-              </a:rPr>
-              <a:t>Funding</a:t>
-            </a:r>
-          </a:p>
-          <a:p>
-            <a:endParaRPr lang="en-US" sz="2800" b="1">
-              <a:latin typeface="Calibri" panose="020F0502020204030204" pitchFamily="34" charset="0"/>
-            </a:endParaRPr>
-          </a:p>
-          <a:p>
-            <a:r>
-              <a:rPr lang="en-US" sz="2800" b="1">
-                <a:latin typeface="Calibri" panose="020F0502020204030204" pitchFamily="34" charset="0"/>
-              </a:rPr>
-              <a:t>…</a:t>
             </a:r>
           </a:p>
         </p:txBody>
@@ -5570,7 +6168,7 @@
         </p:blipFill>
         <p:spPr>
           <a:xfrm>
-            <a:off x="520825" y="1583795"/>
+            <a:off x="2925547" y="1466972"/>
             <a:ext cx="6369481" cy="3924055"/>
           </a:xfrm>
           <a:prstGeom prst="rect">

--- a/MetEngSim_Introduction.pptx
+++ b/MetEngSim_Introduction.pptx
@@ -2386,17 +2386,30 @@
             <p:ph type="ctrTitle" sz="quarter"/>
           </p:nvPr>
         </p:nvSpPr>
-        <p:spPr/>
+        <p:spPr>
+          <a:xfrm>
+            <a:off x="348721" y="4822325"/>
+            <a:ext cx="11523133" cy="786475"/>
+          </a:xfrm>
+        </p:spPr>
         <p:txBody>
           <a:bodyPr/>
           <a:lstStyle/>
           <a:p>
             <a:r>
-              <a:rPr lang="de-DE" dirty="0" err="1"/>
+              <a:rPr lang="de-DE" dirty="0" err="1">
+                <a:solidFill>
+                  <a:schemeClr val="tx1"/>
+                </a:solidFill>
+              </a:rPr>
               <a:t>Metabolic</a:t>
             </a:r>
             <a:r>
-              <a:rPr lang="de-DE" dirty="0"/>
+              <a:rPr lang="de-DE" dirty="0">
+                <a:solidFill>
+                  <a:schemeClr val="tx1"/>
+                </a:solidFill>
+              </a:rPr>
               <a:t> Engineering Simulation</a:t>
             </a:r>
           </a:p>
@@ -2424,6 +2437,53 @@
           </a:p>
         </p:txBody>
       </p:sp>
+      <p:pic>
+        <p:nvPicPr>
+          <p:cNvPr id="9" name="Picture 4" descr="Antikörpertest sagt Ileumbesiedelung mit pathogenen E. coli voraus">
+            <a:extLst>
+              <a:ext uri="{FF2B5EF4-FFF2-40B4-BE49-F238E27FC236}">
+                <a16:creationId xmlns:a16="http://schemas.microsoft.com/office/drawing/2014/main" id="{C1B04650-25A4-6135-4488-5D31C57645E9}"/>
+              </a:ext>
+            </a:extLst>
+          </p:cNvPr>
+          <p:cNvPicPr>
+            <a:picLocks noChangeAspect="1" noChangeArrowheads="1"/>
+          </p:cNvPicPr>
+          <p:nvPr/>
+        </p:nvPicPr>
+        <p:blipFill>
+          <a:blip r:embed="rId2">
+            <a:extLst>
+              <a:ext uri="{28A0092B-C50C-407E-A947-70E740481C1C}">
+                <a14:useLocalDpi xmlns:a14="http://schemas.microsoft.com/office/drawing/2010/main" val="0"/>
+              </a:ext>
+            </a:extLst>
+          </a:blip>
+          <a:srcRect/>
+          <a:stretch>
+            <a:fillRect/>
+          </a:stretch>
+        </p:blipFill>
+        <p:spPr bwMode="auto">
+          <a:xfrm>
+            <a:off x="743121" y="1005233"/>
+            <a:ext cx="10681267" cy="3578775"/>
+          </a:xfrm>
+          <a:prstGeom prst="rect">
+            <a:avLst/>
+          </a:prstGeom>
+          <a:noFill/>
+          <a:extLst>
+            <a:ext uri="{909E8E84-426E-40DD-AFC4-6F175D3DCCD1}">
+              <a14:hiddenFill xmlns:a14="http://schemas.microsoft.com/office/drawing/2010/main">
+                <a:solidFill>
+                  <a:srgbClr val="FFFFFF"/>
+                </a:solidFill>
+              </a14:hiddenFill>
+            </a:ext>
+          </a:extLst>
+        </p:spPr>
+      </p:pic>
     </p:spTree>
     <p:extLst>
       <p:ext uri="{BB962C8B-B14F-4D97-AF65-F5344CB8AC3E}">
@@ -5216,7 +5276,10 @@
               <a:rPr lang="de-DE" b="1" dirty="0" err="1"/>
               <a:t>environment</a:t>
             </a:r>
-            <a:endParaRPr lang="de-DE" b="1" dirty="0"/>
+            <a:r>
+              <a:rPr lang="de-DE" b="1" dirty="0"/>
+              <a:t>:</a:t>
+            </a:r>
           </a:p>
           <a:p>
             <a:pPr marL="1085850" lvl="1" indent="-342900">
@@ -5788,8 +5851,8 @@
         </p:blipFill>
         <p:spPr>
           <a:xfrm>
-            <a:off x="6287289" y="573257"/>
-            <a:ext cx="5298666" cy="4892024"/>
+            <a:off x="6653327" y="850256"/>
+            <a:ext cx="4701739" cy="4340908"/>
           </a:xfrm>
           <a:prstGeom prst="rect">
             <a:avLst/>
@@ -5810,7 +5873,7 @@
         </p:nvSpPr>
         <p:spPr>
           <a:xfrm>
-            <a:off x="7176120" y="5465281"/>
+            <a:off x="7169601" y="5191525"/>
             <a:ext cx="4185465" cy="276999"/>
           </a:xfrm>
           <a:prstGeom prst="rect">
